--- a/assets/tactile_image_files/0024-halite_crystal_structure/0024-halite_crystal_structure.pptx
+++ b/assets/tactile_image_files/0024-halite_crystal_structure/0024-halite_crystal_structure.pptx
@@ -198,7 +198,7 @@
           </a:lstStyle>
           <a:p>
             <a:fld id="{DC880F74-5F87-E94E-8AEF-72C270124CC0}" type="datetimeFigureOut">
-              <a:t>7/23/20</a:t>
+              <a:t>7/13/21</a:t>
             </a:fld>
             <a:endParaRPr lang="en-US"/>
           </a:p>
@@ -603,7 +603,7 @@
           <a:p>
             <a:fld id="{E796F801-3BB8-A247-923B-F07F1B58D38A}" type="datetimeFigureOut">
               <a:rPr lang="en-US" smtClean="0"/>
-              <a:t>7/23/20</a:t>
+              <a:t>7/13/21</a:t>
             </a:fld>
             <a:endParaRPr lang="en-US"/>
           </a:p>
@@ -783,7 +783,7 @@
           <a:p>
             <a:fld id="{E796F801-3BB8-A247-923B-F07F1B58D38A}" type="datetimeFigureOut">
               <a:rPr lang="en-US" smtClean="0"/>
-              <a:t>7/23/20</a:t>
+              <a:t>7/13/21</a:t>
             </a:fld>
             <a:endParaRPr lang="en-US"/>
           </a:p>
@@ -953,7 +953,7 @@
           <a:p>
             <a:fld id="{E796F801-3BB8-A247-923B-F07F1B58D38A}" type="datetimeFigureOut">
               <a:rPr lang="en-US" smtClean="0"/>
-              <a:t>7/23/20</a:t>
+              <a:t>7/13/21</a:t>
             </a:fld>
             <a:endParaRPr lang="en-US"/>
           </a:p>
@@ -1197,7 +1197,7 @@
           <a:p>
             <a:fld id="{E796F801-3BB8-A247-923B-F07F1B58D38A}" type="datetimeFigureOut">
               <a:rPr lang="en-US" smtClean="0"/>
-              <a:t>7/23/20</a:t>
+              <a:t>7/13/21</a:t>
             </a:fld>
             <a:endParaRPr lang="en-US"/>
           </a:p>
@@ -1429,7 +1429,7 @@
           <a:p>
             <a:fld id="{E796F801-3BB8-A247-923B-F07F1B58D38A}" type="datetimeFigureOut">
               <a:rPr lang="en-US" smtClean="0"/>
-              <a:t>7/23/20</a:t>
+              <a:t>7/13/21</a:t>
             </a:fld>
             <a:endParaRPr lang="en-US"/>
           </a:p>
@@ -1796,7 +1796,7 @@
           <a:p>
             <a:fld id="{E796F801-3BB8-A247-923B-F07F1B58D38A}" type="datetimeFigureOut">
               <a:rPr lang="en-US" smtClean="0"/>
-              <a:t>7/23/20</a:t>
+              <a:t>7/13/21</a:t>
             </a:fld>
             <a:endParaRPr lang="en-US"/>
           </a:p>
@@ -1914,7 +1914,7 @@
           <a:p>
             <a:fld id="{E796F801-3BB8-A247-923B-F07F1B58D38A}" type="datetimeFigureOut">
               <a:rPr lang="en-US" smtClean="0"/>
-              <a:t>7/23/20</a:t>
+              <a:t>7/13/21</a:t>
             </a:fld>
             <a:endParaRPr lang="en-US"/>
           </a:p>
@@ -2009,7 +2009,7 @@
           <a:p>
             <a:fld id="{E796F801-3BB8-A247-923B-F07F1B58D38A}" type="datetimeFigureOut">
               <a:rPr lang="en-US" smtClean="0"/>
-              <a:t>7/23/20</a:t>
+              <a:t>7/13/21</a:t>
             </a:fld>
             <a:endParaRPr lang="en-US"/>
           </a:p>
@@ -2286,7 +2286,7 @@
           <a:p>
             <a:fld id="{E796F801-3BB8-A247-923B-F07F1B58D38A}" type="datetimeFigureOut">
               <a:rPr lang="en-US" smtClean="0"/>
-              <a:t>7/23/20</a:t>
+              <a:t>7/13/21</a:t>
             </a:fld>
             <a:endParaRPr lang="en-US"/>
           </a:p>
@@ -2543,7 +2543,7 @@
           <a:p>
             <a:fld id="{E796F801-3BB8-A247-923B-F07F1B58D38A}" type="datetimeFigureOut">
               <a:rPr lang="en-US" smtClean="0"/>
-              <a:t>7/23/20</a:t>
+              <a:t>7/13/21</a:t>
             </a:fld>
             <a:endParaRPr lang="en-US"/>
           </a:p>
@@ -2756,7 +2756,7 @@
           <a:p>
             <a:fld id="{E796F801-3BB8-A247-923B-F07F1B58D38A}" type="datetimeFigureOut">
               <a:rPr lang="en-US" smtClean="0"/>
-              <a:t>7/23/20</a:t>
+              <a:t>7/13/21</a:t>
             </a:fld>
             <a:endParaRPr lang="en-US"/>
           </a:p>
@@ -6321,24 +6321,24 @@
         </p:nvSpPr>
         <p:spPr>
           <a:xfrm>
-            <a:off x="7445746" y="1234362"/>
-            <a:ext cx="1298753" cy="461665"/>
+            <a:off x="7303668" y="1234362"/>
+            <a:ext cx="1886466" cy="461665"/>
           </a:xfrm>
           <a:prstGeom prst="rect">
             <a:avLst/>
           </a:prstGeom>
         </p:spPr>
         <p:txBody>
-          <a:bodyPr wrap="none">
+          <a:bodyPr wrap="square">
             <a:spAutoFit/>
           </a:bodyPr>
           <a:lstStyle/>
           <a:p>
             <a:r>
-              <a:rPr lang="en-US" sz="2400">
+              <a:rPr lang="en-US" sz="2400" dirty="0">
                 <a:latin typeface="Swell Braille" pitchFamily="49"/>
               </a:rPr>
-              <a:t>⠠⠝⠁⠐⠖</a:t>
+              <a:t>⠠⠝a;9⠐⠖</a:t>
             </a:r>
           </a:p>
         </p:txBody>
@@ -6357,24 +6357,24 @@
         </p:nvSpPr>
         <p:spPr>
           <a:xfrm>
-            <a:off x="7679657" y="2265722"/>
-            <a:ext cx="1075936" cy="461665"/>
+            <a:off x="7332915" y="2265722"/>
+            <a:ext cx="2091130" cy="461665"/>
           </a:xfrm>
           <a:prstGeom prst="rect">
             <a:avLst/>
           </a:prstGeom>
         </p:spPr>
         <p:txBody>
-          <a:bodyPr wrap="none">
+          <a:bodyPr wrap="square">
             <a:spAutoFit/>
           </a:bodyPr>
           <a:lstStyle/>
           <a:p>
             <a:r>
-              <a:rPr lang="en-US" sz="2400">
+              <a:rPr lang="en-US" sz="2400" dirty="0">
                 <a:latin typeface="Swell Braille" pitchFamily="49"/>
               </a:rPr>
-              <a:t>⠠⠉⠇⠤</a:t>
+              <a:t>⠠⠉⠇;9"⠤</a:t>
             </a:r>
           </a:p>
         </p:txBody>
@@ -8171,7 +8171,7 @@
         </p:nvSpPr>
         <p:spPr>
           <a:xfrm>
-            <a:off x="6753058" y="2030817"/>
+            <a:off x="6361789" y="1995547"/>
             <a:ext cx="971126" cy="1002013"/>
           </a:xfrm>
           <a:prstGeom prst="ellipse">
@@ -8225,7 +8225,7 @@
         </p:nvSpPr>
         <p:spPr>
           <a:xfrm>
-            <a:off x="6847352" y="1124776"/>
+            <a:off x="6472788" y="1067614"/>
             <a:ext cx="664018" cy="689669"/>
           </a:xfrm>
           <a:prstGeom prst="ellipse">
